--- a/mca2021/hw1/img.pptx
+++ b/mca2021/hw1/img.pptx
@@ -6,6 +6,7 @@
   </p:sldMasterIdLst>
   <p:sldIdLst>
     <p:sldId id="256" r:id="rId2"/>
+    <p:sldId id="257" r:id="rId3"/>
   </p:sldIdLst>
   <p:sldSz cx="12192000" cy="6858000"/>
   <p:notesSz cx="6858000" cy="9144000"/>
@@ -104,6 +105,11 @@
       </a:defRPr>
     </a:lvl9pPr>
   </p:defaultTextStyle>
+  <p:extLst>
+    <p:ext uri="{EFAFB233-063F-42B5-8137-9DF3F51BA10A}">
+      <p15:sldGuideLst xmlns:p15="http://schemas.microsoft.com/office/powerpoint/2012/main"/>
+    </p:ext>
+  </p:extLst>
 </p:presentation>
 </file>
 
@@ -4392,6 +4398,722 @@
 </p:sld>
 </file>
 
+<file path=ppt/slides/slide2.xml><?xml version="1.0" encoding="utf-8"?>
+<p:sld xmlns:a="http://schemas.openxmlformats.org/drawingml/2006/main" xmlns:r="http://schemas.openxmlformats.org/officeDocument/2006/relationships" xmlns:p="http://schemas.openxmlformats.org/presentationml/2006/main">
+  <p:cSld>
+    <p:spTree>
+      <p:nvGrpSpPr>
+        <p:cNvPr id="1" name=""/>
+        <p:cNvGrpSpPr/>
+        <p:nvPr/>
+      </p:nvGrpSpPr>
+      <p:grpSpPr>
+        <a:xfrm>
+          <a:off x="0" y="0"/>
+          <a:ext cx="0" cy="0"/>
+          <a:chOff x="0" y="0"/>
+          <a:chExt cx="0" cy="0"/>
+        </a:xfrm>
+      </p:grpSpPr>
+      <p:grpSp>
+        <p:nvGrpSpPr>
+          <p:cNvPr id="70" name="群組 69"/>
+          <p:cNvGrpSpPr/>
+          <p:nvPr/>
+        </p:nvGrpSpPr>
+        <p:grpSpPr>
+          <a:xfrm>
+            <a:off x="3061716" y="534154"/>
+            <a:ext cx="4930140" cy="3996931"/>
+            <a:chOff x="2242566" y="515104"/>
+            <a:chExt cx="4930140" cy="3996931"/>
+          </a:xfrm>
+        </p:grpSpPr>
+        <p:grpSp>
+          <p:nvGrpSpPr>
+            <p:cNvPr id="6" name="群組 5"/>
+            <p:cNvGrpSpPr/>
+            <p:nvPr/>
+          </p:nvGrpSpPr>
+          <p:grpSpPr>
+            <a:xfrm>
+              <a:off x="2242566" y="1058672"/>
+              <a:ext cx="1996440" cy="2948432"/>
+              <a:chOff x="2242566" y="1058672"/>
+              <a:chExt cx="1996440" cy="2948432"/>
+            </a:xfrm>
+          </p:grpSpPr>
+          <p:sp>
+            <p:nvSpPr>
+              <p:cNvPr id="7" name="矩形 6"/>
+              <p:cNvSpPr/>
+              <p:nvPr/>
+            </p:nvSpPr>
+            <p:spPr>
+              <a:xfrm>
+                <a:off x="2804160" y="2132584"/>
+                <a:ext cx="73152" cy="1874520"/>
+              </a:xfrm>
+              <a:prstGeom prst="rect">
+                <a:avLst/>
+              </a:prstGeom>
+              <a:solidFill>
+                <a:srgbClr val="92D050"/>
+              </a:solidFill>
+            </p:spPr>
+            <p:style>
+              <a:lnRef idx="2">
+                <a:schemeClr val="accent1">
+                  <a:shade val="50000"/>
+                </a:schemeClr>
+              </a:lnRef>
+              <a:fillRef idx="1">
+                <a:schemeClr val="accent1"/>
+              </a:fillRef>
+              <a:effectRef idx="0">
+                <a:schemeClr val="accent1"/>
+              </a:effectRef>
+              <a:fontRef idx="minor">
+                <a:schemeClr val="lt1"/>
+              </a:fontRef>
+            </p:style>
+            <p:txBody>
+              <a:bodyPr rtlCol="0" anchor="ctr"/>
+              <a:lstStyle/>
+              <a:p>
+                <a:pPr algn="ctr"/>
+                <a:endParaRPr lang="zh-TW" altLang="en-US"/>
+              </a:p>
+            </p:txBody>
+          </p:sp>
+          <p:sp>
+            <p:nvSpPr>
+              <p:cNvPr id="9" name="矩形 8"/>
+              <p:cNvSpPr/>
+              <p:nvPr/>
+            </p:nvSpPr>
+            <p:spPr>
+              <a:xfrm>
+                <a:off x="3531108" y="1847104"/>
+                <a:ext cx="73152" cy="2160000"/>
+              </a:xfrm>
+              <a:prstGeom prst="rect">
+                <a:avLst/>
+              </a:prstGeom>
+              <a:solidFill>
+                <a:srgbClr val="92D050"/>
+              </a:solidFill>
+            </p:spPr>
+            <p:style>
+              <a:lnRef idx="2">
+                <a:schemeClr val="accent1">
+                  <a:shade val="50000"/>
+                </a:schemeClr>
+              </a:lnRef>
+              <a:fillRef idx="1">
+                <a:schemeClr val="accent1"/>
+              </a:fillRef>
+              <a:effectRef idx="0">
+                <a:schemeClr val="accent1"/>
+              </a:effectRef>
+              <a:fontRef idx="minor">
+                <a:schemeClr val="lt1"/>
+              </a:fontRef>
+            </p:style>
+            <p:txBody>
+              <a:bodyPr rtlCol="0" anchor="ctr"/>
+              <a:lstStyle/>
+              <a:p>
+                <a:pPr algn="ctr"/>
+                <a:endParaRPr lang="zh-TW" altLang="en-US"/>
+              </a:p>
+            </p:txBody>
+          </p:sp>
+          <p:cxnSp>
+            <p:nvCxnSpPr>
+              <p:cNvPr id="19" name="直線接點 18"/>
+              <p:cNvCxnSpPr/>
+              <p:nvPr/>
+            </p:nvCxnSpPr>
+            <p:spPr>
+              <a:xfrm>
+                <a:off x="2242566" y="2590292"/>
+                <a:ext cx="1996440" cy="0"/>
+              </a:xfrm>
+              <a:prstGeom prst="line">
+                <a:avLst/>
+              </a:prstGeom>
+              <a:ln w="25400">
+                <a:solidFill>
+                  <a:srgbClr val="FF0000"/>
+                </a:solidFill>
+                <a:prstDash val="dashDot"/>
+              </a:ln>
+            </p:spPr>
+            <p:style>
+              <a:lnRef idx="1">
+                <a:schemeClr val="accent1"/>
+              </a:lnRef>
+              <a:fillRef idx="0">
+                <a:schemeClr val="accent1"/>
+              </a:fillRef>
+              <a:effectRef idx="0">
+                <a:schemeClr val="accent1"/>
+              </a:effectRef>
+              <a:fontRef idx="minor">
+                <a:schemeClr val="tx1"/>
+              </a:fontRef>
+            </p:style>
+          </p:cxnSp>
+          <p:sp>
+            <p:nvSpPr>
+              <p:cNvPr id="23" name="矩形 22"/>
+              <p:cNvSpPr/>
+              <p:nvPr/>
+            </p:nvSpPr>
+            <p:spPr>
+              <a:xfrm>
+                <a:off x="2439924" y="2783104"/>
+                <a:ext cx="73152" cy="1224000"/>
+              </a:xfrm>
+              <a:prstGeom prst="rect">
+                <a:avLst/>
+              </a:prstGeom>
+            </p:spPr>
+            <p:style>
+              <a:lnRef idx="2">
+                <a:schemeClr val="accent1">
+                  <a:shade val="50000"/>
+                </a:schemeClr>
+              </a:lnRef>
+              <a:fillRef idx="1">
+                <a:schemeClr val="accent1"/>
+              </a:fillRef>
+              <a:effectRef idx="0">
+                <a:schemeClr val="accent1"/>
+              </a:effectRef>
+              <a:fontRef idx="minor">
+                <a:schemeClr val="lt1"/>
+              </a:fontRef>
+            </p:style>
+            <p:txBody>
+              <a:bodyPr rtlCol="0" anchor="ctr"/>
+              <a:lstStyle/>
+              <a:p>
+                <a:pPr algn="ctr"/>
+                <a:endParaRPr lang="zh-TW" altLang="en-US"/>
+              </a:p>
+            </p:txBody>
+          </p:sp>
+          <p:sp>
+            <p:nvSpPr>
+              <p:cNvPr id="58" name="矩形 57"/>
+              <p:cNvSpPr/>
+              <p:nvPr/>
+            </p:nvSpPr>
+            <p:spPr>
+              <a:xfrm>
+                <a:off x="3894582" y="1955104"/>
+                <a:ext cx="73152" cy="2052000"/>
+              </a:xfrm>
+              <a:prstGeom prst="rect">
+                <a:avLst/>
+              </a:prstGeom>
+              <a:solidFill>
+                <a:srgbClr val="92D050"/>
+              </a:solidFill>
+            </p:spPr>
+            <p:style>
+              <a:lnRef idx="2">
+                <a:schemeClr val="accent1">
+                  <a:shade val="50000"/>
+                </a:schemeClr>
+              </a:lnRef>
+              <a:fillRef idx="1">
+                <a:schemeClr val="accent1"/>
+              </a:fillRef>
+              <a:effectRef idx="0">
+                <a:schemeClr val="accent1"/>
+              </a:effectRef>
+              <a:fontRef idx="minor">
+                <a:schemeClr val="lt1"/>
+              </a:fontRef>
+            </p:style>
+            <p:txBody>
+              <a:bodyPr rtlCol="0" anchor="ctr"/>
+              <a:lstStyle/>
+              <a:p>
+                <a:pPr algn="ctr"/>
+                <a:endParaRPr lang="zh-TW" altLang="en-US"/>
+              </a:p>
+            </p:txBody>
+          </p:sp>
+          <p:sp>
+            <p:nvSpPr>
+              <p:cNvPr id="59" name="矩形 58"/>
+              <p:cNvSpPr/>
+              <p:nvPr/>
+            </p:nvSpPr>
+            <p:spPr>
+              <a:xfrm>
+                <a:off x="3167634" y="1955104"/>
+                <a:ext cx="73152" cy="2052000"/>
+              </a:xfrm>
+              <a:prstGeom prst="rect">
+                <a:avLst/>
+              </a:prstGeom>
+              <a:solidFill>
+                <a:srgbClr val="92D050"/>
+              </a:solidFill>
+            </p:spPr>
+            <p:style>
+              <a:lnRef idx="2">
+                <a:schemeClr val="accent1">
+                  <a:shade val="50000"/>
+                </a:schemeClr>
+              </a:lnRef>
+              <a:fillRef idx="1">
+                <a:schemeClr val="accent1"/>
+              </a:fillRef>
+              <a:effectRef idx="0">
+                <a:schemeClr val="accent1"/>
+              </a:effectRef>
+              <a:fontRef idx="minor">
+                <a:schemeClr val="lt1"/>
+              </a:fontRef>
+            </p:style>
+            <p:txBody>
+              <a:bodyPr rtlCol="0" anchor="ctr"/>
+              <a:lstStyle/>
+              <a:p>
+                <a:pPr algn="ctr"/>
+                <a:endParaRPr lang="zh-TW" altLang="en-US"/>
+              </a:p>
+            </p:txBody>
+          </p:sp>
+          <p:cxnSp>
+            <p:nvCxnSpPr>
+              <p:cNvPr id="66" name="直線接點 65"/>
+              <p:cNvCxnSpPr/>
+              <p:nvPr/>
+            </p:nvCxnSpPr>
+            <p:spPr>
+              <a:xfrm>
+                <a:off x="2242566" y="1058672"/>
+                <a:ext cx="1996440" cy="0"/>
+              </a:xfrm>
+              <a:prstGeom prst="line">
+                <a:avLst/>
+              </a:prstGeom>
+              <a:ln w="25400">
+                <a:solidFill>
+                  <a:srgbClr val="FF0000"/>
+                </a:solidFill>
+                <a:prstDash val="dashDot"/>
+              </a:ln>
+            </p:spPr>
+            <p:style>
+              <a:lnRef idx="1">
+                <a:schemeClr val="accent1"/>
+              </a:lnRef>
+              <a:fillRef idx="0">
+                <a:schemeClr val="accent1"/>
+              </a:fillRef>
+              <a:effectRef idx="0">
+                <a:schemeClr val="accent1"/>
+              </a:effectRef>
+              <a:fontRef idx="minor">
+                <a:schemeClr val="tx1"/>
+              </a:fontRef>
+            </p:style>
+          </p:cxnSp>
+        </p:grpSp>
+        <p:grpSp>
+          <p:nvGrpSpPr>
+            <p:cNvPr id="18" name="群組 17"/>
+            <p:cNvGrpSpPr/>
+            <p:nvPr/>
+          </p:nvGrpSpPr>
+          <p:grpSpPr>
+            <a:xfrm>
+              <a:off x="5176266" y="515104"/>
+              <a:ext cx="1996440" cy="3492000"/>
+              <a:chOff x="5176266" y="515104"/>
+              <a:chExt cx="1996440" cy="3492000"/>
+            </a:xfrm>
+          </p:grpSpPr>
+          <p:sp>
+            <p:nvSpPr>
+              <p:cNvPr id="60" name="矩形 59"/>
+              <p:cNvSpPr/>
+              <p:nvPr/>
+            </p:nvSpPr>
+            <p:spPr>
+              <a:xfrm>
+                <a:off x="5737860" y="2132584"/>
+                <a:ext cx="73152" cy="1874520"/>
+              </a:xfrm>
+              <a:prstGeom prst="rect">
+                <a:avLst/>
+              </a:prstGeom>
+              <a:solidFill>
+                <a:schemeClr val="accent4"/>
+              </a:solidFill>
+            </p:spPr>
+            <p:style>
+              <a:lnRef idx="2">
+                <a:schemeClr val="accent1">
+                  <a:shade val="50000"/>
+                </a:schemeClr>
+              </a:lnRef>
+              <a:fillRef idx="1">
+                <a:schemeClr val="accent1"/>
+              </a:fillRef>
+              <a:effectRef idx="0">
+                <a:schemeClr val="accent1"/>
+              </a:effectRef>
+              <a:fontRef idx="minor">
+                <a:schemeClr val="lt1"/>
+              </a:fontRef>
+            </p:style>
+            <p:txBody>
+              <a:bodyPr rtlCol="0" anchor="ctr"/>
+              <a:lstStyle/>
+              <a:p>
+                <a:pPr algn="ctr"/>
+                <a:endParaRPr lang="zh-TW" altLang="en-US"/>
+              </a:p>
+            </p:txBody>
+          </p:sp>
+          <p:sp>
+            <p:nvSpPr>
+              <p:cNvPr id="61" name="矩形 60"/>
+              <p:cNvSpPr/>
+              <p:nvPr/>
+            </p:nvSpPr>
+            <p:spPr>
+              <a:xfrm>
+                <a:off x="6483858" y="947104"/>
+                <a:ext cx="73152" cy="3060000"/>
+              </a:xfrm>
+              <a:prstGeom prst="rect">
+                <a:avLst/>
+              </a:prstGeom>
+              <a:solidFill>
+                <a:schemeClr val="accent4"/>
+              </a:solidFill>
+            </p:spPr>
+            <p:style>
+              <a:lnRef idx="2">
+                <a:schemeClr val="accent1">
+                  <a:shade val="50000"/>
+                </a:schemeClr>
+              </a:lnRef>
+              <a:fillRef idx="1">
+                <a:schemeClr val="accent1"/>
+              </a:fillRef>
+              <a:effectRef idx="0">
+                <a:schemeClr val="accent1"/>
+              </a:effectRef>
+              <a:fontRef idx="minor">
+                <a:schemeClr val="lt1"/>
+              </a:fontRef>
+            </p:style>
+            <p:txBody>
+              <a:bodyPr rtlCol="0" anchor="ctr"/>
+              <a:lstStyle/>
+              <a:p>
+                <a:pPr algn="ctr"/>
+                <a:endParaRPr lang="zh-TW" altLang="en-US"/>
+              </a:p>
+            </p:txBody>
+          </p:sp>
+          <p:cxnSp>
+            <p:nvCxnSpPr>
+              <p:cNvPr id="62" name="直線接點 61"/>
+              <p:cNvCxnSpPr/>
+              <p:nvPr/>
+            </p:nvCxnSpPr>
+            <p:spPr>
+              <a:xfrm>
+                <a:off x="5176266" y="2590292"/>
+                <a:ext cx="1996440" cy="0"/>
+              </a:xfrm>
+              <a:prstGeom prst="line">
+                <a:avLst/>
+              </a:prstGeom>
+              <a:ln w="25400">
+                <a:solidFill>
+                  <a:srgbClr val="FF0000"/>
+                </a:solidFill>
+                <a:prstDash val="dashDot"/>
+              </a:ln>
+            </p:spPr>
+            <p:style>
+              <a:lnRef idx="1">
+                <a:schemeClr val="accent1"/>
+              </a:lnRef>
+              <a:fillRef idx="0">
+                <a:schemeClr val="accent1"/>
+              </a:fillRef>
+              <a:effectRef idx="0">
+                <a:schemeClr val="accent1"/>
+              </a:effectRef>
+              <a:fontRef idx="minor">
+                <a:schemeClr val="tx1"/>
+              </a:fontRef>
+            </p:style>
+          </p:cxnSp>
+          <p:sp>
+            <p:nvSpPr>
+              <p:cNvPr id="63" name="矩形 62"/>
+              <p:cNvSpPr/>
+              <p:nvPr/>
+            </p:nvSpPr>
+            <p:spPr>
+              <a:xfrm>
+                <a:off x="5373624" y="2783104"/>
+                <a:ext cx="73152" cy="1224000"/>
+              </a:xfrm>
+              <a:prstGeom prst="rect">
+                <a:avLst/>
+              </a:prstGeom>
+            </p:spPr>
+            <p:style>
+              <a:lnRef idx="2">
+                <a:schemeClr val="accent1">
+                  <a:shade val="50000"/>
+                </a:schemeClr>
+              </a:lnRef>
+              <a:fillRef idx="1">
+                <a:schemeClr val="accent1"/>
+              </a:fillRef>
+              <a:effectRef idx="0">
+                <a:schemeClr val="accent1"/>
+              </a:effectRef>
+              <a:fontRef idx="minor">
+                <a:schemeClr val="lt1"/>
+              </a:fontRef>
+            </p:style>
+            <p:txBody>
+              <a:bodyPr rtlCol="0" anchor="ctr"/>
+              <a:lstStyle/>
+              <a:p>
+                <a:pPr algn="ctr"/>
+                <a:endParaRPr lang="zh-TW" altLang="en-US"/>
+              </a:p>
+            </p:txBody>
+          </p:sp>
+          <p:sp>
+            <p:nvSpPr>
+              <p:cNvPr id="64" name="矩形 63"/>
+              <p:cNvSpPr/>
+              <p:nvPr/>
+            </p:nvSpPr>
+            <p:spPr>
+              <a:xfrm>
+                <a:off x="6828282" y="515104"/>
+                <a:ext cx="73152" cy="3492000"/>
+              </a:xfrm>
+              <a:prstGeom prst="rect">
+                <a:avLst/>
+              </a:prstGeom>
+              <a:solidFill>
+                <a:schemeClr val="accent4"/>
+              </a:solidFill>
+            </p:spPr>
+            <p:style>
+              <a:lnRef idx="2">
+                <a:schemeClr val="accent1">
+                  <a:shade val="50000"/>
+                </a:schemeClr>
+              </a:lnRef>
+              <a:fillRef idx="1">
+                <a:schemeClr val="accent1"/>
+              </a:fillRef>
+              <a:effectRef idx="0">
+                <a:schemeClr val="accent1"/>
+              </a:effectRef>
+              <a:fontRef idx="minor">
+                <a:schemeClr val="lt1"/>
+              </a:fontRef>
+            </p:style>
+            <p:txBody>
+              <a:bodyPr rtlCol="0" anchor="ctr"/>
+              <a:lstStyle/>
+              <a:p>
+                <a:pPr algn="ctr"/>
+                <a:endParaRPr lang="zh-TW" altLang="en-US"/>
+              </a:p>
+            </p:txBody>
+          </p:sp>
+          <p:sp>
+            <p:nvSpPr>
+              <p:cNvPr id="65" name="矩形 64"/>
+              <p:cNvSpPr/>
+              <p:nvPr/>
+            </p:nvSpPr>
+            <p:spPr>
+              <a:xfrm>
+                <a:off x="6101334" y="1559104"/>
+                <a:ext cx="73152" cy="2448000"/>
+              </a:xfrm>
+              <a:prstGeom prst="rect">
+                <a:avLst/>
+              </a:prstGeom>
+              <a:solidFill>
+                <a:schemeClr val="accent4"/>
+              </a:solidFill>
+            </p:spPr>
+            <p:style>
+              <a:lnRef idx="2">
+                <a:schemeClr val="accent1">
+                  <a:shade val="50000"/>
+                </a:schemeClr>
+              </a:lnRef>
+              <a:fillRef idx="1">
+                <a:schemeClr val="accent1"/>
+              </a:fillRef>
+              <a:effectRef idx="0">
+                <a:schemeClr val="accent1"/>
+              </a:effectRef>
+              <a:fontRef idx="minor">
+                <a:schemeClr val="lt1"/>
+              </a:fontRef>
+            </p:style>
+            <p:txBody>
+              <a:bodyPr rtlCol="0" anchor="ctr"/>
+              <a:lstStyle/>
+              <a:p>
+                <a:pPr algn="ctr"/>
+                <a:endParaRPr lang="zh-TW" altLang="en-US"/>
+              </a:p>
+            </p:txBody>
+          </p:sp>
+          <p:cxnSp>
+            <p:nvCxnSpPr>
+              <p:cNvPr id="67" name="直線接點 66"/>
+              <p:cNvCxnSpPr/>
+              <p:nvPr/>
+            </p:nvCxnSpPr>
+            <p:spPr>
+              <a:xfrm>
+                <a:off x="5176266" y="1058672"/>
+                <a:ext cx="1996440" cy="0"/>
+              </a:xfrm>
+              <a:prstGeom prst="line">
+                <a:avLst/>
+              </a:prstGeom>
+              <a:ln w="25400">
+                <a:solidFill>
+                  <a:srgbClr val="FF0000"/>
+                </a:solidFill>
+                <a:prstDash val="dashDot"/>
+              </a:ln>
+            </p:spPr>
+            <p:style>
+              <a:lnRef idx="1">
+                <a:schemeClr val="accent1"/>
+              </a:lnRef>
+              <a:fillRef idx="0">
+                <a:schemeClr val="accent1"/>
+              </a:fillRef>
+              <a:effectRef idx="0">
+                <a:schemeClr val="accent1"/>
+              </a:effectRef>
+              <a:fontRef idx="minor">
+                <a:schemeClr val="tx1"/>
+              </a:fontRef>
+            </p:style>
+          </p:cxnSp>
+        </p:grpSp>
+        <p:cxnSp>
+          <p:nvCxnSpPr>
+            <p:cNvPr id="30" name="直線單箭頭接點 29"/>
+            <p:cNvCxnSpPr>
+              <a:stCxn id="9" idx="2"/>
+              <a:endCxn id="60" idx="2"/>
+            </p:cNvCxnSpPr>
+            <p:nvPr/>
+          </p:nvCxnSpPr>
+          <p:spPr>
+            <a:xfrm rot="16200000" flipH="1">
+              <a:off x="4671060" y="2903728"/>
+              <a:ext cx="12700" cy="2206752"/>
+            </a:xfrm>
+            <a:prstGeom prst="curvedConnector3">
+              <a:avLst>
+                <a:gd name="adj1" fmla="val 5025000"/>
+              </a:avLst>
+            </a:prstGeom>
+            <a:ln w="127000">
+              <a:solidFill>
+                <a:srgbClr val="CC0066"/>
+              </a:solidFill>
+              <a:tailEnd type="triangle"/>
+            </a:ln>
+          </p:spPr>
+          <p:style>
+            <a:lnRef idx="1">
+              <a:schemeClr val="accent1"/>
+            </a:lnRef>
+            <a:fillRef idx="0">
+              <a:schemeClr val="accent1"/>
+            </a:fillRef>
+            <a:effectRef idx="0">
+              <a:schemeClr val="accent1"/>
+            </a:effectRef>
+            <a:fontRef idx="minor">
+              <a:schemeClr val="tx1"/>
+            </a:fontRef>
+          </p:style>
+        </p:cxnSp>
+        <p:sp>
+          <p:nvSpPr>
+            <p:cNvPr id="69" name="文字方塊 68"/>
+            <p:cNvSpPr txBox="1"/>
+            <p:nvPr/>
+          </p:nvSpPr>
+          <p:spPr>
+            <a:xfrm>
+              <a:off x="4226004" y="3988815"/>
+              <a:ext cx="902811" cy="523220"/>
+            </a:xfrm>
+            <a:prstGeom prst="rect">
+              <a:avLst/>
+            </a:prstGeom>
+            <a:noFill/>
+          </p:spPr>
+          <p:txBody>
+            <a:bodyPr wrap="none" rtlCol="0">
+              <a:spAutoFit/>
+            </a:bodyPr>
+            <a:lstStyle/>
+            <a:p>
+              <a:r>
+                <a:rPr lang="zh-TW" altLang="en-US" sz="2800" dirty="0">
+                  <a:latin typeface="Noto Sans CJK TC Regular" panose="020B0500000000000000" pitchFamily="34" charset="-120"/>
+                  <a:ea typeface="Noto Sans CJK TC Regular" panose="020B0500000000000000" pitchFamily="34" charset="-120"/>
+                </a:rPr>
+                <a:t>累計</a:t>
+              </a:r>
+            </a:p>
+          </p:txBody>
+        </p:sp>
+      </p:grpSp>
+    </p:spTree>
+    <p:extLst>
+      <p:ext uri="{BB962C8B-B14F-4D97-AF65-F5344CB8AC3E}">
+        <p14:creationId xmlns:p14="http://schemas.microsoft.com/office/powerpoint/2010/main" val="3831353378"/>
+      </p:ext>
+    </p:extLst>
+  </p:cSld>
+  <p:clrMapOvr>
+    <a:masterClrMapping/>
+  </p:clrMapOvr>
+</p:sld>
+</file>
+
 <file path=ppt/theme/theme1.xml><?xml version="1.0" encoding="utf-8"?>
 <a:theme xmlns:a="http://schemas.openxmlformats.org/drawingml/2006/main" name="Office 佈景主題">
   <a:themeElements>
